--- a/Our Project PPT/Model Review/Model review.pptx
+++ b/Our Project PPT/Model Review/Model review.pptx
@@ -14,12 +14,12 @@
     <p:sldId id="262" r:id="rId5"/>
     <p:sldId id="264" r:id="rId6"/>
     <p:sldId id="265" r:id="rId7"/>
-    <p:sldId id="260" r:id="rId8"/>
-    <p:sldId id="268" r:id="rId9"/>
+    <p:sldId id="276" r:id="rId8"/>
+    <p:sldId id="260" r:id="rId9"/>
     <p:sldId id="266" r:id="rId10"/>
-    <p:sldId id="270" r:id="rId11"/>
-    <p:sldId id="271" r:id="rId12"/>
-    <p:sldId id="276" r:id="rId13"/>
+    <p:sldId id="268" r:id="rId11"/>
+    <p:sldId id="270" r:id="rId12"/>
+    <p:sldId id="271" r:id="rId13"/>
     <p:sldId id="273" r:id="rId14"/>
     <p:sldId id="274" r:id="rId15"/>
     <p:sldId id="272" r:id="rId16"/>
@@ -213,7 +213,7 @@
           <a:p>
             <a:fld id="{0C01325D-BC9B-40CA-A232-812DD10CD9D7}" type="datetimeFigureOut">
               <a:rPr lang="en-IN" smtClean="0"/>
-              <a:t>05-06-2022</a:t>
+              <a:t>10-06-2022</a:t>
             </a:fld>
             <a:endParaRPr lang="en-IN"/>
           </a:p>
@@ -667,7 +667,7 @@
           <a:p>
             <a:fld id="{FFFD472B-3F04-4140-8EB9-D00A0FF39B7A}" type="datetimeFigureOut">
               <a:rPr lang="en-IN" smtClean="0"/>
-              <a:t>05-06-2022</a:t>
+              <a:t>10-06-2022</a:t>
             </a:fld>
             <a:endParaRPr lang="en-IN"/>
           </a:p>
@@ -942,7 +942,7 @@
           <a:p>
             <a:fld id="{FFFD472B-3F04-4140-8EB9-D00A0FF39B7A}" type="datetimeFigureOut">
               <a:rPr lang="en-IN" smtClean="0"/>
-              <a:t>05-06-2022</a:t>
+              <a:t>10-06-2022</a:t>
             </a:fld>
             <a:endParaRPr lang="en-IN"/>
           </a:p>
@@ -1136,7 +1136,7 @@
           <a:p>
             <a:fld id="{FFFD472B-3F04-4140-8EB9-D00A0FF39B7A}" type="datetimeFigureOut">
               <a:rPr lang="en-IN" smtClean="0"/>
-              <a:t>05-06-2022</a:t>
+              <a:t>10-06-2022</a:t>
             </a:fld>
             <a:endParaRPr lang="en-IN"/>
           </a:p>
@@ -1409,7 +1409,7 @@
           <a:p>
             <a:fld id="{FFFD472B-3F04-4140-8EB9-D00A0FF39B7A}" type="datetimeFigureOut">
               <a:rPr lang="en-IN" smtClean="0"/>
-              <a:t>05-06-2022</a:t>
+              <a:t>10-06-2022</a:t>
             </a:fld>
             <a:endParaRPr lang="en-IN"/>
           </a:p>
@@ -1750,7 +1750,7 @@
           <a:p>
             <a:fld id="{FFFD472B-3F04-4140-8EB9-D00A0FF39B7A}" type="datetimeFigureOut">
               <a:rPr lang="en-IN" smtClean="0"/>
-              <a:t>05-06-2022</a:t>
+              <a:t>10-06-2022</a:t>
             </a:fld>
             <a:endParaRPr lang="en-IN"/>
           </a:p>
@@ -2373,7 +2373,7 @@
           <a:p>
             <a:fld id="{FFFD472B-3F04-4140-8EB9-D00A0FF39B7A}" type="datetimeFigureOut">
               <a:rPr lang="en-IN" smtClean="0"/>
-              <a:t>05-06-2022</a:t>
+              <a:t>10-06-2022</a:t>
             </a:fld>
             <a:endParaRPr lang="en-IN"/>
           </a:p>
@@ -3233,7 +3233,7 @@
           <a:p>
             <a:fld id="{FFFD472B-3F04-4140-8EB9-D00A0FF39B7A}" type="datetimeFigureOut">
               <a:rPr lang="en-IN" smtClean="0"/>
-              <a:t>05-06-2022</a:t>
+              <a:t>10-06-2022</a:t>
             </a:fld>
             <a:endParaRPr lang="en-IN"/>
           </a:p>
@@ -3403,7 +3403,7 @@
           <a:p>
             <a:fld id="{FFFD472B-3F04-4140-8EB9-D00A0FF39B7A}" type="datetimeFigureOut">
               <a:rPr lang="en-IN" smtClean="0"/>
-              <a:t>05-06-2022</a:t>
+              <a:t>10-06-2022</a:t>
             </a:fld>
             <a:endParaRPr lang="en-IN"/>
           </a:p>
@@ -3583,7 +3583,7 @@
           <a:p>
             <a:fld id="{FFFD472B-3F04-4140-8EB9-D00A0FF39B7A}" type="datetimeFigureOut">
               <a:rPr lang="en-IN" smtClean="0"/>
-              <a:t>05-06-2022</a:t>
+              <a:t>10-06-2022</a:t>
             </a:fld>
             <a:endParaRPr lang="en-IN"/>
           </a:p>
@@ -3753,7 +3753,7 @@
           <a:p>
             <a:fld id="{FFFD472B-3F04-4140-8EB9-D00A0FF39B7A}" type="datetimeFigureOut">
               <a:rPr lang="en-IN" smtClean="0"/>
-              <a:t>05-06-2022</a:t>
+              <a:t>10-06-2022</a:t>
             </a:fld>
             <a:endParaRPr lang="en-IN"/>
           </a:p>
@@ -4000,7 +4000,7 @@
           <a:p>
             <a:fld id="{FFFD472B-3F04-4140-8EB9-D00A0FF39B7A}" type="datetimeFigureOut">
               <a:rPr lang="en-IN" smtClean="0"/>
-              <a:t>05-06-2022</a:t>
+              <a:t>10-06-2022</a:t>
             </a:fld>
             <a:endParaRPr lang="en-IN"/>
           </a:p>
@@ -4292,7 +4292,7 @@
           <a:p>
             <a:fld id="{FFFD472B-3F04-4140-8EB9-D00A0FF39B7A}" type="datetimeFigureOut">
               <a:rPr lang="en-IN" smtClean="0"/>
-              <a:t>05-06-2022</a:t>
+              <a:t>10-06-2022</a:t>
             </a:fld>
             <a:endParaRPr lang="en-IN"/>
           </a:p>
@@ -4736,7 +4736,7 @@
           <a:p>
             <a:fld id="{FFFD472B-3F04-4140-8EB9-D00A0FF39B7A}" type="datetimeFigureOut">
               <a:rPr lang="en-IN" smtClean="0"/>
-              <a:t>05-06-2022</a:t>
+              <a:t>10-06-2022</a:t>
             </a:fld>
             <a:endParaRPr lang="en-IN"/>
           </a:p>
@@ -4854,7 +4854,7 @@
           <a:p>
             <a:fld id="{FFFD472B-3F04-4140-8EB9-D00A0FF39B7A}" type="datetimeFigureOut">
               <a:rPr lang="en-IN" smtClean="0"/>
-              <a:t>05-06-2022</a:t>
+              <a:t>10-06-2022</a:t>
             </a:fld>
             <a:endParaRPr lang="en-IN"/>
           </a:p>
@@ -4949,7 +4949,7 @@
           <a:p>
             <a:fld id="{FFFD472B-3F04-4140-8EB9-D00A0FF39B7A}" type="datetimeFigureOut">
               <a:rPr lang="en-IN" smtClean="0"/>
-              <a:t>05-06-2022</a:t>
+              <a:t>10-06-2022</a:t>
             </a:fld>
             <a:endParaRPr lang="en-IN"/>
           </a:p>
@@ -5228,7 +5228,7 @@
           <a:p>
             <a:fld id="{FFFD472B-3F04-4140-8EB9-D00A0FF39B7A}" type="datetimeFigureOut">
               <a:rPr lang="en-IN" smtClean="0"/>
-              <a:t>05-06-2022</a:t>
+              <a:t>10-06-2022</a:t>
             </a:fld>
             <a:endParaRPr lang="en-IN"/>
           </a:p>
@@ -5503,7 +5503,7 @@
           <a:p>
             <a:fld id="{FFFD472B-3F04-4140-8EB9-D00A0FF39B7A}" type="datetimeFigureOut">
               <a:rPr lang="en-IN" smtClean="0"/>
-              <a:t>05-06-2022</a:t>
+              <a:t>10-06-2022</a:t>
             </a:fld>
             <a:endParaRPr lang="en-IN"/>
           </a:p>
@@ -5932,7 +5932,7 @@
           <a:p>
             <a:fld id="{FFFD472B-3F04-4140-8EB9-D00A0FF39B7A}" type="datetimeFigureOut">
               <a:rPr lang="en-IN" smtClean="0"/>
-              <a:t>05-06-2022</a:t>
+              <a:t>10-06-2022</a:t>
             </a:fld>
             <a:endParaRPr lang="en-IN"/>
           </a:p>
@@ -6594,6 +6594,13 @@
             <a:pPr marL="447675"/>
             <a:r>
               <a:rPr lang="en-IN" dirty="0"/>
+              <a:t>Ajay R 	                [620118106003]</a:t>
+            </a:r>
+          </a:p>
+          <a:p>
+            <a:pPr marL="447675"/>
+            <a:r>
+              <a:rPr lang="en-IN" dirty="0"/>
               <a:t>	Bharath G             [620118106015]</a:t>
             </a:r>
           </a:p>
@@ -6607,12 +6614,6 @@
             <a:r>
               <a:rPr lang="en-IN" dirty="0"/>
               <a:t>	Mubarak Ali S.Y    [620118106056]</a:t>
-            </a:r>
-          </a:p>
-          <a:p>
-            <a:r>
-              <a:rPr lang="en-IN" dirty="0"/>
-              <a:t>	Ajay R 	                [620118106003]</a:t>
             </a:r>
           </a:p>
         </p:txBody>
@@ -6631,6 +6632,196 @@
 </file>
 
 <file path=ppt/slides/slide10.xml><?xml version="1.0" encoding="utf-8"?>
+<p:sld xmlns:a="http://schemas.openxmlformats.org/drawingml/2006/main" xmlns:r="http://schemas.openxmlformats.org/officeDocument/2006/relationships" xmlns:p="http://schemas.openxmlformats.org/presentationml/2006/main">
+  <p:cSld>
+    <p:spTree>
+      <p:nvGrpSpPr>
+        <p:cNvPr id="1" name=""/>
+        <p:cNvGrpSpPr/>
+        <p:nvPr/>
+      </p:nvGrpSpPr>
+      <p:grpSpPr>
+        <a:xfrm>
+          <a:off x="0" y="0"/>
+          <a:ext cx="0" cy="0"/>
+          <a:chOff x="0" y="0"/>
+          <a:chExt cx="0" cy="0"/>
+        </a:xfrm>
+      </p:grpSpPr>
+      <p:sp>
+        <p:nvSpPr>
+          <p:cNvPr id="2" name="TextBox 1">
+            <a:extLst>
+              <a:ext uri="{FF2B5EF4-FFF2-40B4-BE49-F238E27FC236}">
+                <a16:creationId xmlns:a16="http://schemas.microsoft.com/office/drawing/2014/main" id="{EB6DE816-1B3A-4538-A607-A74063419562}"/>
+              </a:ext>
+            </a:extLst>
+          </p:cNvPr>
+          <p:cNvSpPr txBox="1"/>
+          <p:nvPr/>
+        </p:nvSpPr>
+        <p:spPr>
+          <a:xfrm>
+            <a:off x="957262" y="1073408"/>
+            <a:ext cx="4810125" cy="584775"/>
+          </a:xfrm>
+          <a:prstGeom prst="rect">
+            <a:avLst/>
+          </a:prstGeom>
+          <a:noFill/>
+        </p:spPr>
+        <p:txBody>
+          <a:bodyPr wrap="square" rtlCol="0">
+            <a:spAutoFit/>
+          </a:bodyPr>
+          <a:lstStyle/>
+          <a:p>
+            <a:r>
+              <a:rPr lang="en-IN" sz="3200" b="1" dirty="0">
+                <a:latin typeface="Times New Roman" panose="02020603050405020304" pitchFamily="18" charset="0"/>
+                <a:cs typeface="Times New Roman" panose="02020603050405020304" pitchFamily="18" charset="0"/>
+              </a:rPr>
+              <a:t>Advantages:</a:t>
+            </a:r>
+          </a:p>
+        </p:txBody>
+      </p:sp>
+      <p:sp>
+        <p:nvSpPr>
+          <p:cNvPr id="3" name="TextBox 2">
+            <a:extLst>
+              <a:ext uri="{FF2B5EF4-FFF2-40B4-BE49-F238E27FC236}">
+                <a16:creationId xmlns:a16="http://schemas.microsoft.com/office/drawing/2014/main" id="{AE609479-A6EE-4AC6-991B-9B0725233491}"/>
+              </a:ext>
+            </a:extLst>
+          </p:cNvPr>
+          <p:cNvSpPr txBox="1"/>
+          <p:nvPr/>
+        </p:nvSpPr>
+        <p:spPr>
+          <a:xfrm>
+            <a:off x="1655762" y="2215687"/>
+            <a:ext cx="10125075" cy="3349956"/>
+          </a:xfrm>
+          <a:prstGeom prst="rect">
+            <a:avLst/>
+          </a:prstGeom>
+          <a:noFill/>
+        </p:spPr>
+        <p:txBody>
+          <a:bodyPr wrap="square" rtlCol="0">
+            <a:spAutoFit/>
+          </a:bodyPr>
+          <a:lstStyle/>
+          <a:p>
+            <a:pPr>
+              <a:lnSpc>
+                <a:spcPct val="150000"/>
+              </a:lnSpc>
+              <a:buFont typeface="Arial" pitchFamily="34" charset="0"/>
+              <a:buChar char="•"/>
+            </a:pPr>
+            <a:r>
+              <a:rPr lang="en-US" sz="2400" dirty="0">
+                <a:latin typeface="Times New Roman" panose="02020603050405020304" pitchFamily="18" charset="0"/>
+                <a:cs typeface="Times New Roman" panose="02020603050405020304" pitchFamily="18" charset="0"/>
+              </a:rPr>
+              <a:t>Preserves voting secrecy, No scope for invalid votes</a:t>
+            </a:r>
+          </a:p>
+          <a:p>
+            <a:pPr>
+              <a:lnSpc>
+                <a:spcPct val="150000"/>
+              </a:lnSpc>
+              <a:buFont typeface="Arial" pitchFamily="34" charset="0"/>
+              <a:buChar char="•"/>
+            </a:pPr>
+            <a:r>
+              <a:rPr lang="en-US" sz="2400" dirty="0">
+                <a:latin typeface="Times New Roman" panose="02020603050405020304" pitchFamily="18" charset="0"/>
+                <a:cs typeface="Times New Roman" panose="02020603050405020304" pitchFamily="18" charset="0"/>
+              </a:rPr>
+              <a:t>Highly tamper – proof.</a:t>
+            </a:r>
+          </a:p>
+          <a:p>
+            <a:pPr>
+              <a:lnSpc>
+                <a:spcPct val="150000"/>
+              </a:lnSpc>
+              <a:buFont typeface="Arial" pitchFamily="34" charset="0"/>
+              <a:buChar char="•"/>
+            </a:pPr>
+            <a:r>
+              <a:rPr lang="en-US" sz="2400" dirty="0">
+                <a:latin typeface="Times New Roman" panose="02020603050405020304" pitchFamily="18" charset="0"/>
+                <a:cs typeface="Times New Roman" panose="02020603050405020304" pitchFamily="18" charset="0"/>
+              </a:rPr>
+              <a:t>Manpower required Less.</a:t>
+            </a:r>
+          </a:p>
+          <a:p>
+            <a:pPr>
+              <a:lnSpc>
+                <a:spcPct val="150000"/>
+              </a:lnSpc>
+              <a:buFont typeface="Arial" pitchFamily="34" charset="0"/>
+              <a:buChar char="•"/>
+            </a:pPr>
+            <a:r>
+              <a:rPr lang="en-US" sz="2400" dirty="0">
+                <a:latin typeface="Times New Roman" panose="02020603050405020304" pitchFamily="18" charset="0"/>
+                <a:cs typeface="Times New Roman" panose="02020603050405020304" pitchFamily="18" charset="0"/>
+              </a:rPr>
+              <a:t>Avoids invalid voting as it prevents unregistered voters from voting. </a:t>
+            </a:r>
+          </a:p>
+          <a:p>
+            <a:pPr>
+              <a:lnSpc>
+                <a:spcPct val="150000"/>
+              </a:lnSpc>
+              <a:buFont typeface="Arial" pitchFamily="34" charset="0"/>
+              <a:buChar char="•"/>
+            </a:pPr>
+            <a:r>
+              <a:rPr lang="en-IN" sz="2400" dirty="0">
+                <a:latin typeface="Times New Roman" panose="02020603050405020304" pitchFamily="18" charset="0"/>
+                <a:cs typeface="Times New Roman" panose="02020603050405020304" pitchFamily="18" charset="0"/>
+              </a:rPr>
+              <a:t>Vote counting is digitalized so, counting process becomes lot more easier.</a:t>
+            </a:r>
+          </a:p>
+          <a:p>
+            <a:pPr marL="342900" indent="-342900">
+              <a:lnSpc>
+                <a:spcPct val="150000"/>
+              </a:lnSpc>
+              <a:buFont typeface="Arial" panose="020B0604020202020204" pitchFamily="34" charset="0"/>
+              <a:buChar char="•"/>
+            </a:pPr>
+            <a:endParaRPr lang="en-IN" sz="2400" dirty="0">
+              <a:latin typeface="Times New Roman" panose="02020603050405020304" pitchFamily="18" charset="0"/>
+              <a:cs typeface="Times New Roman" panose="02020603050405020304" pitchFamily="18" charset="0"/>
+            </a:endParaRPr>
+          </a:p>
+        </p:txBody>
+      </p:sp>
+    </p:spTree>
+    <p:extLst>
+      <p:ext uri="{BB962C8B-B14F-4D97-AF65-F5344CB8AC3E}">
+        <p14:creationId xmlns:p14="http://schemas.microsoft.com/office/powerpoint/2010/main" val="3966547809"/>
+      </p:ext>
+    </p:extLst>
+  </p:cSld>
+  <p:clrMapOvr>
+    <a:masterClrMapping/>
+  </p:clrMapOvr>
+</p:sld>
+</file>
+
+<file path=ppt/slides/slide11.xml><?xml version="1.0" encoding="utf-8"?>
 <p:sld xmlns:a="http://schemas.openxmlformats.org/drawingml/2006/main" xmlns:r="http://schemas.openxmlformats.org/officeDocument/2006/relationships" xmlns:p="http://schemas.openxmlformats.org/presentationml/2006/main">
   <p:cSld>
     <p:spTree>
@@ -7183,7 +7374,7 @@
 </p:sld>
 </file>
 
-<file path=ppt/slides/slide11.xml><?xml version="1.0" encoding="utf-8"?>
+<file path=ppt/slides/slide12.xml><?xml version="1.0" encoding="utf-8"?>
 <p:sld xmlns:a="http://schemas.openxmlformats.org/drawingml/2006/main" xmlns:r="http://schemas.openxmlformats.org/officeDocument/2006/relationships" xmlns:p="http://schemas.openxmlformats.org/presentationml/2006/main">
   <p:cSld>
     <p:spTree>
@@ -7706,162 +7897,6 @@
     <p:extLst>
       <p:ext uri="{BB962C8B-B14F-4D97-AF65-F5344CB8AC3E}">
         <p14:creationId xmlns:p14="http://schemas.microsoft.com/office/powerpoint/2010/main" val="4071652107"/>
-      </p:ext>
-    </p:extLst>
-  </p:cSld>
-  <p:clrMapOvr>
-    <a:masterClrMapping/>
-  </p:clrMapOvr>
-</p:sld>
-</file>
-
-<file path=ppt/slides/slide12.xml><?xml version="1.0" encoding="utf-8"?>
-<p:sld xmlns:a="http://schemas.openxmlformats.org/drawingml/2006/main" xmlns:r="http://schemas.openxmlformats.org/officeDocument/2006/relationships" xmlns:p="http://schemas.openxmlformats.org/presentationml/2006/main">
-  <p:cSld>
-    <p:spTree>
-      <p:nvGrpSpPr>
-        <p:cNvPr id="1" name=""/>
-        <p:cNvGrpSpPr/>
-        <p:nvPr/>
-      </p:nvGrpSpPr>
-      <p:grpSpPr>
-        <a:xfrm>
-          <a:off x="0" y="0"/>
-          <a:ext cx="0" cy="0"/>
-          <a:chOff x="0" y="0"/>
-          <a:chExt cx="0" cy="0"/>
-        </a:xfrm>
-      </p:grpSpPr>
-      <p:sp>
-        <p:nvSpPr>
-          <p:cNvPr id="2" name="TextBox 1">
-            <a:extLst>
-              <a:ext uri="{FF2B5EF4-FFF2-40B4-BE49-F238E27FC236}">
-                <a16:creationId xmlns:a16="http://schemas.microsoft.com/office/drawing/2014/main" id="{EFB8C32E-6D42-4D83-8136-87B385AB4A1C}"/>
-              </a:ext>
-            </a:extLst>
-          </p:cNvPr>
-          <p:cNvSpPr txBox="1"/>
-          <p:nvPr/>
-        </p:nvSpPr>
-        <p:spPr>
-          <a:xfrm>
-            <a:off x="368300" y="622300"/>
-            <a:ext cx="5854700" cy="584775"/>
-          </a:xfrm>
-          <a:prstGeom prst="rect">
-            <a:avLst/>
-          </a:prstGeom>
-          <a:noFill/>
-        </p:spPr>
-        <p:txBody>
-          <a:bodyPr wrap="square" rtlCol="0">
-            <a:spAutoFit/>
-          </a:bodyPr>
-          <a:lstStyle/>
-          <a:p>
-            <a:r>
-              <a:rPr lang="en-US" sz="3200" dirty="0">
-                <a:latin typeface="Times New Roman" panose="02020603050405020304" pitchFamily="18" charset="0"/>
-                <a:cs typeface="Times New Roman" panose="02020603050405020304" pitchFamily="18" charset="0"/>
-              </a:rPr>
-              <a:t>Drawbacks:</a:t>
-            </a:r>
-          </a:p>
-        </p:txBody>
-      </p:sp>
-      <p:sp>
-        <p:nvSpPr>
-          <p:cNvPr id="3" name="TextBox 2">
-            <a:extLst>
-              <a:ext uri="{FF2B5EF4-FFF2-40B4-BE49-F238E27FC236}">
-                <a16:creationId xmlns:a16="http://schemas.microsoft.com/office/drawing/2014/main" id="{22D189A5-0FBF-4631-8D75-604CC769C58E}"/>
-              </a:ext>
-            </a:extLst>
-          </p:cNvPr>
-          <p:cNvSpPr txBox="1"/>
-          <p:nvPr/>
-        </p:nvSpPr>
-        <p:spPr>
-          <a:xfrm>
-            <a:off x="850900" y="1663700"/>
-            <a:ext cx="11010900" cy="2795958"/>
-          </a:xfrm>
-          <a:prstGeom prst="rect">
-            <a:avLst/>
-          </a:prstGeom>
-          <a:noFill/>
-        </p:spPr>
-        <p:txBody>
-          <a:bodyPr wrap="square" rtlCol="0">
-            <a:spAutoFit/>
-          </a:bodyPr>
-          <a:lstStyle/>
-          <a:p>
-            <a:pPr marL="285750" indent="-285750">
-              <a:lnSpc>
-                <a:spcPct val="150000"/>
-              </a:lnSpc>
-              <a:buFont typeface="Wingdings" panose="05000000000000000000" pitchFamily="2" charset="2"/>
-              <a:buChar char="Ø"/>
-            </a:pPr>
-            <a:r>
-              <a:rPr lang="en-US" sz="2400" dirty="0">
-                <a:latin typeface="Times New Roman" panose="02020603050405020304" pitchFamily="18" charset="0"/>
-                <a:cs typeface="Times New Roman" panose="02020603050405020304" pitchFamily="18" charset="0"/>
-              </a:rPr>
-              <a:t>Before voting the user has to enroll first.</a:t>
-            </a:r>
-          </a:p>
-          <a:p>
-            <a:pPr marL="285750" indent="-285750">
-              <a:lnSpc>
-                <a:spcPct val="150000"/>
-              </a:lnSpc>
-              <a:buFont typeface="Wingdings" panose="05000000000000000000" pitchFamily="2" charset="2"/>
-              <a:buChar char="Ø"/>
-            </a:pPr>
-            <a:r>
-              <a:rPr lang="en-US" sz="2400" dirty="0">
-                <a:latin typeface="Times New Roman" panose="02020603050405020304" pitchFamily="18" charset="0"/>
-                <a:cs typeface="Times New Roman" panose="02020603050405020304" pitchFamily="18" charset="0"/>
-              </a:rPr>
-              <a:t>Sensitivity of finger print module causes sometimes Combine character error.</a:t>
-            </a:r>
-          </a:p>
-          <a:p>
-            <a:pPr marL="285750" indent="-285750">
-              <a:lnSpc>
-                <a:spcPct val="150000"/>
-              </a:lnSpc>
-              <a:buFont typeface="Wingdings" panose="05000000000000000000" pitchFamily="2" charset="2"/>
-              <a:buChar char="Ø"/>
-            </a:pPr>
-            <a:r>
-              <a:rPr lang="en-US" sz="2400" dirty="0">
-                <a:latin typeface="Times New Roman" panose="02020603050405020304" pitchFamily="18" charset="0"/>
-                <a:cs typeface="Times New Roman" panose="02020603050405020304" pitchFamily="18" charset="0"/>
-              </a:rPr>
-              <a:t>Finger print </a:t>
-            </a:r>
-            <a:r>
-              <a:rPr lang="en-US" altLang="en-US" sz="2400" dirty="0">
-                <a:latin typeface="Times New Roman" panose="02020603050405020304" pitchFamily="18" charset="0"/>
-                <a:cs typeface="Times New Roman" panose="02020603050405020304" pitchFamily="18" charset="0"/>
-              </a:rPr>
-              <a:t>recognition is that it is not affected by dryness or roughness of skin or by physical injury on surface of the hand but sometimes the temperature and humidity can affect the quality of the captured image</a:t>
-            </a:r>
-            <a:endParaRPr lang="en-IN" sz="2400" dirty="0">
-              <a:latin typeface="Times New Roman" panose="02020603050405020304" pitchFamily="18" charset="0"/>
-              <a:cs typeface="Times New Roman" panose="02020603050405020304" pitchFamily="18" charset="0"/>
-            </a:endParaRPr>
-          </a:p>
-        </p:txBody>
-      </p:sp>
-    </p:spTree>
-    <p:extLst>
-      <p:ext uri="{BB962C8B-B14F-4D97-AF65-F5344CB8AC3E}">
-        <p14:creationId xmlns:p14="http://schemas.microsoft.com/office/powerpoint/2010/main" val="476829991"/>
       </p:ext>
     </p:extLst>
   </p:cSld>
@@ -10928,10 +10963,10 @@
       </p:grpSpPr>
       <p:sp>
         <p:nvSpPr>
-          <p:cNvPr id="3" name="TextBox 2">
+          <p:cNvPr id="2" name="TextBox 1">
             <a:extLst>
               <a:ext uri="{FF2B5EF4-FFF2-40B4-BE49-F238E27FC236}">
-                <a16:creationId xmlns:a16="http://schemas.microsoft.com/office/drawing/2014/main" id="{DEF9142A-52A8-4CA4-AB32-247D1FD2890E}"/>
+                <a16:creationId xmlns:a16="http://schemas.microsoft.com/office/drawing/2014/main" id="{EFB8C32E-6D42-4D83-8136-87B385AB4A1C}"/>
               </a:ext>
             </a:extLst>
           </p:cNvPr>
@@ -10940,8 +10975,8 @@
         </p:nvSpPr>
         <p:spPr>
           <a:xfrm>
-            <a:off x="847106" y="1300781"/>
-            <a:ext cx="10497788" cy="5011949"/>
+            <a:off x="368300" y="622300"/>
+            <a:ext cx="5854700" cy="584775"/>
           </a:xfrm>
           <a:prstGeom prst="rect">
             <a:avLst/>
@@ -10954,110 +10989,22 @@
           </a:bodyPr>
           <a:lstStyle/>
           <a:p>
-            <a:pPr marL="342900" indent="-342900" algn="just">
-              <a:lnSpc>
-                <a:spcPct val="150000"/>
-              </a:lnSpc>
-              <a:buFont typeface="Arial" panose="020B0604020202020204" pitchFamily="34" charset="0"/>
-              <a:buChar char="•"/>
-            </a:pPr>
-            <a:r>
-              <a:rPr lang="en-US" sz="2400" u="none" strike="noStrike" baseline="0" dirty="0">
-                <a:latin typeface="Times New Roman" panose="02020603050405020304" pitchFamily="18" charset="0"/>
-              </a:rPr>
-              <a:t>In this project, an attempt has been made to the development of an authenticated electronic voting system using fingerprint and facial </a:t>
-            </a:r>
-            <a:r>
-              <a:rPr lang="en-US" sz="2400" dirty="0">
-                <a:latin typeface="Times New Roman" panose="02020603050405020304" pitchFamily="18" charset="0"/>
-              </a:rPr>
-              <a:t>recognition.</a:t>
-            </a:r>
-            <a:endParaRPr lang="en-IN" sz="2400" dirty="0">
-              <a:latin typeface="Times New Roman" panose="02020603050405020304" pitchFamily="18" charset="0"/>
-              <a:cs typeface="Times New Roman" panose="02020603050405020304" pitchFamily="18" charset="0"/>
-            </a:endParaRPr>
-          </a:p>
-          <a:p>
-            <a:pPr marL="342900" indent="-342900" algn="just">
-              <a:lnSpc>
-                <a:spcPct val="150000"/>
-              </a:lnSpc>
-              <a:buFont typeface="Arial" panose="020B0604020202020204" pitchFamily="34" charset="0"/>
-              <a:buChar char="•"/>
-            </a:pPr>
-            <a:r>
-              <a:rPr lang="en-US" sz="2400" dirty="0">
+            <a:r>
+              <a:rPr lang="en-US" sz="3200" dirty="0">
                 <a:latin typeface="Times New Roman" panose="02020603050405020304" pitchFamily="18" charset="0"/>
                 <a:cs typeface="Times New Roman" panose="02020603050405020304" pitchFamily="18" charset="0"/>
               </a:rPr>
-              <a:t>The two-fold authentication system improves the security of the voting process and reduces the chances of a corrupt election process.</a:t>
-            </a:r>
-          </a:p>
-          <a:p>
-            <a:pPr marL="342900" indent="-342900" algn="just">
-              <a:lnSpc>
-                <a:spcPct val="150000"/>
-              </a:lnSpc>
-              <a:buFont typeface="Arial" panose="020B0604020202020204" pitchFamily="34" charset="0"/>
-              <a:buChar char="•"/>
-            </a:pPr>
-            <a:r>
-              <a:rPr lang="en-US" sz="2400" dirty="0">
-                <a:latin typeface="Times New Roman" panose="02020603050405020304" pitchFamily="18" charset="0"/>
-                <a:cs typeface="Times New Roman" panose="02020603050405020304" pitchFamily="18" charset="0"/>
-              </a:rPr>
-              <a:t>The facial recognition process utilizes the Local Binary Pattern Histogram and Support Vector Machine process to scan, store and recognize faces efficiently.</a:t>
-            </a:r>
-            <a:endParaRPr lang="en-IN" sz="2400" dirty="0">
-              <a:latin typeface="Times New Roman" panose="02020603050405020304" pitchFamily="18" charset="0"/>
-              <a:cs typeface="Times New Roman" panose="02020603050405020304" pitchFamily="18" charset="0"/>
-            </a:endParaRPr>
-          </a:p>
-          <a:p>
-            <a:pPr marL="342900" indent="-342900" algn="just">
-              <a:lnSpc>
-                <a:spcPct val="150000"/>
-              </a:lnSpc>
-              <a:buFont typeface="Arial" panose="020B0604020202020204" pitchFamily="34" charset="0"/>
-              <a:buChar char="•"/>
-            </a:pPr>
-            <a:r>
-              <a:rPr lang="en-US" sz="2400" dirty="0">
-                <a:latin typeface="Times New Roman" panose="02020603050405020304" pitchFamily="18" charset="0"/>
-                <a:cs typeface="Times New Roman" panose="02020603050405020304" pitchFamily="18" charset="0"/>
-              </a:rPr>
-              <a:t>A private server (cloud or local) is used to store both the user data and the election results separately.</a:t>
-            </a:r>
-          </a:p>
-          <a:p>
-            <a:pPr marL="342900" indent="-342900" algn="just">
-              <a:lnSpc>
-                <a:spcPct val="150000"/>
-              </a:lnSpc>
-              <a:buFont typeface="Arial" panose="020B0604020202020204" pitchFamily="34" charset="0"/>
-              <a:buChar char="•"/>
-            </a:pPr>
-            <a:r>
-              <a:rPr lang="en-US" sz="2400" dirty="0">
-                <a:latin typeface="Times New Roman" panose="02020603050405020304" pitchFamily="18" charset="0"/>
-                <a:cs typeface="Times New Roman" panose="02020603050405020304" pitchFamily="18" charset="0"/>
-              </a:rPr>
-              <a:t>This reduces the chances of external manipulation of the election results.</a:t>
-            </a:r>
-            <a:endParaRPr lang="en-IN" sz="2400" dirty="0">
-              <a:latin typeface="Times New Roman" panose="02020603050405020304" pitchFamily="18" charset="0"/>
-              <a:cs typeface="Times New Roman" panose="02020603050405020304" pitchFamily="18" charset="0"/>
-            </a:endParaRPr>
-          </a:p>
-        </p:txBody>
-      </p:sp>
-      <p:sp>
-        <p:nvSpPr>
-          <p:cNvPr id="2" name="TextBox 1">
+              <a:t>Drawbacks:</a:t>
+            </a:r>
+          </a:p>
+        </p:txBody>
+      </p:sp>
+      <p:sp>
+        <p:nvSpPr>
+          <p:cNvPr id="3" name="TextBox 2">
             <a:extLst>
               <a:ext uri="{FF2B5EF4-FFF2-40B4-BE49-F238E27FC236}">
-                <a16:creationId xmlns:a16="http://schemas.microsoft.com/office/drawing/2014/main" id="{813E1219-AAF8-4F2A-B1A1-5177BA401933}"/>
+                <a16:creationId xmlns:a16="http://schemas.microsoft.com/office/drawing/2014/main" id="{22D189A5-0FBF-4631-8D75-604CC769C58E}"/>
               </a:ext>
             </a:extLst>
           </p:cNvPr>
@@ -11066,8 +11013,8 @@
         </p:nvSpPr>
         <p:spPr>
           <a:xfrm>
-            <a:off x="847106" y="716006"/>
-            <a:ext cx="3793905" cy="584775"/>
+            <a:off x="850900" y="1663700"/>
+            <a:ext cx="11010900" cy="2795958"/>
           </a:xfrm>
           <a:prstGeom prst="rect">
             <a:avLst/>
@@ -11080,14 +11027,60 @@
           </a:bodyPr>
           <a:lstStyle/>
           <a:p>
-            <a:r>
-              <a:rPr lang="en-US" sz="3200" b="1" dirty="0">
+            <a:pPr marL="285750" indent="-285750">
+              <a:lnSpc>
+                <a:spcPct val="150000"/>
+              </a:lnSpc>
+              <a:buFont typeface="Wingdings" panose="05000000000000000000" pitchFamily="2" charset="2"/>
+              <a:buChar char="Ø"/>
+            </a:pPr>
+            <a:r>
+              <a:rPr lang="en-US" sz="2400" dirty="0">
                 <a:latin typeface="Times New Roman" panose="02020603050405020304" pitchFamily="18" charset="0"/>
                 <a:cs typeface="Times New Roman" panose="02020603050405020304" pitchFamily="18" charset="0"/>
               </a:rPr>
-              <a:t>Proposed System:</a:t>
-            </a:r>
-            <a:endParaRPr lang="en-IN" sz="3200" b="1" dirty="0">
+              <a:t>Before voting the user has to enroll first.</a:t>
+            </a:r>
+          </a:p>
+          <a:p>
+            <a:pPr marL="285750" indent="-285750">
+              <a:lnSpc>
+                <a:spcPct val="150000"/>
+              </a:lnSpc>
+              <a:buFont typeface="Wingdings" panose="05000000000000000000" pitchFamily="2" charset="2"/>
+              <a:buChar char="Ø"/>
+            </a:pPr>
+            <a:r>
+              <a:rPr lang="en-US" sz="2400" dirty="0">
+                <a:latin typeface="Times New Roman" panose="02020603050405020304" pitchFamily="18" charset="0"/>
+                <a:cs typeface="Times New Roman" panose="02020603050405020304" pitchFamily="18" charset="0"/>
+              </a:rPr>
+              <a:t>Sensitivity of finger print module causes sometimes Combine character error.</a:t>
+            </a:r>
+          </a:p>
+          <a:p>
+            <a:pPr marL="285750" indent="-285750">
+              <a:lnSpc>
+                <a:spcPct val="150000"/>
+              </a:lnSpc>
+              <a:buFont typeface="Wingdings" panose="05000000000000000000" pitchFamily="2" charset="2"/>
+              <a:buChar char="Ø"/>
+            </a:pPr>
+            <a:r>
+              <a:rPr lang="en-US" sz="2400" dirty="0">
+                <a:latin typeface="Times New Roman" panose="02020603050405020304" pitchFamily="18" charset="0"/>
+                <a:cs typeface="Times New Roman" panose="02020603050405020304" pitchFamily="18" charset="0"/>
+              </a:rPr>
+              <a:t>Finger print </a:t>
+            </a:r>
+            <a:r>
+              <a:rPr lang="en-US" altLang="en-US" sz="2400" dirty="0">
+                <a:latin typeface="Times New Roman" panose="02020603050405020304" pitchFamily="18" charset="0"/>
+                <a:cs typeface="Times New Roman" panose="02020603050405020304" pitchFamily="18" charset="0"/>
+              </a:rPr>
+              <a:t>recognition is that it is not affected by dryness or roughness of skin or by physical injury on surface of the hand but sometimes the temperature and humidity can affect the quality of the captured image</a:t>
+            </a:r>
+            <a:endParaRPr lang="en-IN" sz="2400" dirty="0">
               <a:latin typeface="Times New Roman" panose="02020603050405020304" pitchFamily="18" charset="0"/>
               <a:cs typeface="Times New Roman" panose="02020603050405020304" pitchFamily="18" charset="0"/>
             </a:endParaRPr>
@@ -11097,7 +11090,7 @@
     </p:spTree>
     <p:extLst>
       <p:ext uri="{BB962C8B-B14F-4D97-AF65-F5344CB8AC3E}">
-        <p14:creationId xmlns:p14="http://schemas.microsoft.com/office/powerpoint/2010/main" val="3522905106"/>
+        <p14:creationId xmlns:p14="http://schemas.microsoft.com/office/powerpoint/2010/main" val="476829991"/>
       </p:ext>
     </p:extLst>
   </p:cSld>
@@ -11126,10 +11119,10 @@
       </p:grpSpPr>
       <p:sp>
         <p:nvSpPr>
-          <p:cNvPr id="2" name="TextBox 1">
+          <p:cNvPr id="3" name="TextBox 2">
             <a:extLst>
               <a:ext uri="{FF2B5EF4-FFF2-40B4-BE49-F238E27FC236}">
-                <a16:creationId xmlns:a16="http://schemas.microsoft.com/office/drawing/2014/main" id="{EB6DE816-1B3A-4538-A607-A74063419562}"/>
+                <a16:creationId xmlns:a16="http://schemas.microsoft.com/office/drawing/2014/main" id="{DEF9142A-52A8-4CA4-AB32-247D1FD2890E}"/>
               </a:ext>
             </a:extLst>
           </p:cNvPr>
@@ -11138,8 +11131,8 @@
         </p:nvSpPr>
         <p:spPr>
           <a:xfrm>
-            <a:off x="957262" y="1073408"/>
-            <a:ext cx="4810125" cy="584775"/>
+            <a:off x="847106" y="1300781"/>
+            <a:ext cx="10497788" cy="5011949"/>
           </a:xfrm>
           <a:prstGeom prst="rect">
             <a:avLst/>
@@ -11152,22 +11145,110 @@
           </a:bodyPr>
           <a:lstStyle/>
           <a:p>
-            <a:r>
-              <a:rPr lang="en-IN" sz="3200" b="1" dirty="0">
+            <a:pPr marL="342900" indent="-342900" algn="just">
+              <a:lnSpc>
+                <a:spcPct val="150000"/>
+              </a:lnSpc>
+              <a:buFont typeface="Arial" panose="020B0604020202020204" pitchFamily="34" charset="0"/>
+              <a:buChar char="•"/>
+            </a:pPr>
+            <a:r>
+              <a:rPr lang="en-US" sz="2400" u="none" strike="noStrike" baseline="0" dirty="0">
+                <a:latin typeface="Times New Roman" panose="02020603050405020304" pitchFamily="18" charset="0"/>
+              </a:rPr>
+              <a:t>In this project, an attempt has been made to the development of an authenticated electronic voting system using fingerprint and facial </a:t>
+            </a:r>
+            <a:r>
+              <a:rPr lang="en-US" sz="2400" dirty="0">
+                <a:latin typeface="Times New Roman" panose="02020603050405020304" pitchFamily="18" charset="0"/>
+              </a:rPr>
+              <a:t>recognition.</a:t>
+            </a:r>
+            <a:endParaRPr lang="en-IN" sz="2400" dirty="0">
+              <a:latin typeface="Times New Roman" panose="02020603050405020304" pitchFamily="18" charset="0"/>
+              <a:cs typeface="Times New Roman" panose="02020603050405020304" pitchFamily="18" charset="0"/>
+            </a:endParaRPr>
+          </a:p>
+          <a:p>
+            <a:pPr marL="342900" indent="-342900" algn="just">
+              <a:lnSpc>
+                <a:spcPct val="150000"/>
+              </a:lnSpc>
+              <a:buFont typeface="Arial" panose="020B0604020202020204" pitchFamily="34" charset="0"/>
+              <a:buChar char="•"/>
+            </a:pPr>
+            <a:r>
+              <a:rPr lang="en-US" sz="2400" dirty="0">
                 <a:latin typeface="Times New Roman" panose="02020603050405020304" pitchFamily="18" charset="0"/>
                 <a:cs typeface="Times New Roman" panose="02020603050405020304" pitchFamily="18" charset="0"/>
               </a:rPr>
-              <a:t>Advantages:</a:t>
-            </a:r>
-          </a:p>
-        </p:txBody>
-      </p:sp>
-      <p:sp>
-        <p:nvSpPr>
-          <p:cNvPr id="3" name="TextBox 2">
+              <a:t>The two-fold authentication system improves the security of the voting process and reduces the chances of a corrupt election process.</a:t>
+            </a:r>
+          </a:p>
+          <a:p>
+            <a:pPr marL="342900" indent="-342900" algn="just">
+              <a:lnSpc>
+                <a:spcPct val="150000"/>
+              </a:lnSpc>
+              <a:buFont typeface="Arial" panose="020B0604020202020204" pitchFamily="34" charset="0"/>
+              <a:buChar char="•"/>
+            </a:pPr>
+            <a:r>
+              <a:rPr lang="en-US" sz="2400" dirty="0">
+                <a:latin typeface="Times New Roman" panose="02020603050405020304" pitchFamily="18" charset="0"/>
+                <a:cs typeface="Times New Roman" panose="02020603050405020304" pitchFamily="18" charset="0"/>
+              </a:rPr>
+              <a:t>The facial recognition process utilizes the Local Binary Pattern Histogram and Support Vector Machine process to scan, store and recognize faces efficiently.</a:t>
+            </a:r>
+            <a:endParaRPr lang="en-IN" sz="2400" dirty="0">
+              <a:latin typeface="Times New Roman" panose="02020603050405020304" pitchFamily="18" charset="0"/>
+              <a:cs typeface="Times New Roman" panose="02020603050405020304" pitchFamily="18" charset="0"/>
+            </a:endParaRPr>
+          </a:p>
+          <a:p>
+            <a:pPr marL="342900" indent="-342900" algn="just">
+              <a:lnSpc>
+                <a:spcPct val="150000"/>
+              </a:lnSpc>
+              <a:buFont typeface="Arial" panose="020B0604020202020204" pitchFamily="34" charset="0"/>
+              <a:buChar char="•"/>
+            </a:pPr>
+            <a:r>
+              <a:rPr lang="en-US" sz="2400" dirty="0">
+                <a:latin typeface="Times New Roman" panose="02020603050405020304" pitchFamily="18" charset="0"/>
+                <a:cs typeface="Times New Roman" panose="02020603050405020304" pitchFamily="18" charset="0"/>
+              </a:rPr>
+              <a:t>A private server is used to store both the user data and the election results separately.</a:t>
+            </a:r>
+          </a:p>
+          <a:p>
+            <a:pPr marL="342900" indent="-342900" algn="just">
+              <a:lnSpc>
+                <a:spcPct val="150000"/>
+              </a:lnSpc>
+              <a:buFont typeface="Arial" panose="020B0604020202020204" pitchFamily="34" charset="0"/>
+              <a:buChar char="•"/>
+            </a:pPr>
+            <a:r>
+              <a:rPr lang="en-US" sz="2400" dirty="0">
+                <a:latin typeface="Times New Roman" panose="02020603050405020304" pitchFamily="18" charset="0"/>
+                <a:cs typeface="Times New Roman" panose="02020603050405020304" pitchFamily="18" charset="0"/>
+              </a:rPr>
+              <a:t>This reduces the chances of external manipulation of the election results.</a:t>
+            </a:r>
+            <a:endParaRPr lang="en-IN" sz="2400" dirty="0">
+              <a:latin typeface="Times New Roman" panose="02020603050405020304" pitchFamily="18" charset="0"/>
+              <a:cs typeface="Times New Roman" panose="02020603050405020304" pitchFamily="18" charset="0"/>
+            </a:endParaRPr>
+          </a:p>
+        </p:txBody>
+      </p:sp>
+      <p:sp>
+        <p:nvSpPr>
+          <p:cNvPr id="2" name="TextBox 1">
             <a:extLst>
               <a:ext uri="{FF2B5EF4-FFF2-40B4-BE49-F238E27FC236}">
-                <a16:creationId xmlns:a16="http://schemas.microsoft.com/office/drawing/2014/main" id="{AE609479-A6EE-4AC6-991B-9B0725233491}"/>
+                <a16:creationId xmlns:a16="http://schemas.microsoft.com/office/drawing/2014/main" id="{813E1219-AAF8-4F2A-B1A1-5177BA401933}"/>
               </a:ext>
             </a:extLst>
           </p:cNvPr>
@@ -11176,8 +11257,8 @@
         </p:nvSpPr>
         <p:spPr>
           <a:xfrm>
-            <a:off x="1655762" y="2215687"/>
-            <a:ext cx="10125075" cy="3349956"/>
+            <a:off x="847106" y="716006"/>
+            <a:ext cx="3793905" cy="584775"/>
           </a:xfrm>
           <a:prstGeom prst="rect">
             <a:avLst/>
@@ -11190,94 +11271,14 @@
           </a:bodyPr>
           <a:lstStyle/>
           <a:p>
-            <a:pPr>
-              <a:lnSpc>
-                <a:spcPct val="150000"/>
-              </a:lnSpc>
-              <a:buFont typeface="Arial" pitchFamily="34" charset="0"/>
-              <a:buChar char="•"/>
-            </a:pPr>
-            <a:r>
-              <a:rPr lang="en-US" sz="2400" dirty="0">
+            <a:r>
+              <a:rPr lang="en-US" sz="3200" b="1" dirty="0">
                 <a:latin typeface="Times New Roman" panose="02020603050405020304" pitchFamily="18" charset="0"/>
                 <a:cs typeface="Times New Roman" panose="02020603050405020304" pitchFamily="18" charset="0"/>
               </a:rPr>
-              <a:t>Preserves voting secrecy, No scope for invalid votes</a:t>
-            </a:r>
-          </a:p>
-          <a:p>
-            <a:pPr>
-              <a:lnSpc>
-                <a:spcPct val="150000"/>
-              </a:lnSpc>
-              <a:buFont typeface="Arial" pitchFamily="34" charset="0"/>
-              <a:buChar char="•"/>
-            </a:pPr>
-            <a:r>
-              <a:rPr lang="en-US" sz="2400" dirty="0">
-                <a:latin typeface="Times New Roman" panose="02020603050405020304" pitchFamily="18" charset="0"/>
-                <a:cs typeface="Times New Roman" panose="02020603050405020304" pitchFamily="18" charset="0"/>
-              </a:rPr>
-              <a:t>Highly tamper – proof.</a:t>
-            </a:r>
-          </a:p>
-          <a:p>
-            <a:pPr>
-              <a:lnSpc>
-                <a:spcPct val="150000"/>
-              </a:lnSpc>
-              <a:buFont typeface="Arial" pitchFamily="34" charset="0"/>
-              <a:buChar char="•"/>
-            </a:pPr>
-            <a:r>
-              <a:rPr lang="en-US" sz="2400" dirty="0">
-                <a:latin typeface="Times New Roman" panose="02020603050405020304" pitchFamily="18" charset="0"/>
-                <a:cs typeface="Times New Roman" panose="02020603050405020304" pitchFamily="18" charset="0"/>
-              </a:rPr>
-              <a:t>Manpower required Less.</a:t>
-            </a:r>
-          </a:p>
-          <a:p>
-            <a:pPr>
-              <a:lnSpc>
-                <a:spcPct val="150000"/>
-              </a:lnSpc>
-              <a:buFont typeface="Arial" pitchFamily="34" charset="0"/>
-              <a:buChar char="•"/>
-            </a:pPr>
-            <a:r>
-              <a:rPr lang="en-US" sz="2400" dirty="0">
-                <a:latin typeface="Times New Roman" panose="02020603050405020304" pitchFamily="18" charset="0"/>
-                <a:cs typeface="Times New Roman" panose="02020603050405020304" pitchFamily="18" charset="0"/>
-              </a:rPr>
-              <a:t>Avoids invalid voting as it prevents unregistered voters from voting. </a:t>
-            </a:r>
-          </a:p>
-          <a:p>
-            <a:pPr>
-              <a:lnSpc>
-                <a:spcPct val="150000"/>
-              </a:lnSpc>
-              <a:buFont typeface="Arial" pitchFamily="34" charset="0"/>
-              <a:buChar char="•"/>
-            </a:pPr>
-            <a:r>
-              <a:rPr lang="en-IN" sz="2400" dirty="0">
-                <a:latin typeface="Times New Roman" panose="02020603050405020304" pitchFamily="18" charset="0"/>
-                <a:cs typeface="Times New Roman" panose="02020603050405020304" pitchFamily="18" charset="0"/>
-              </a:rPr>
-              <a:t>Vote counting is digitalized so, counting process becomes lot more easier.</a:t>
-            </a:r>
-          </a:p>
-          <a:p>
-            <a:pPr marL="342900" indent="-342900">
-              <a:lnSpc>
-                <a:spcPct val="150000"/>
-              </a:lnSpc>
-              <a:buFont typeface="Arial" panose="020B0604020202020204" pitchFamily="34" charset="0"/>
-              <a:buChar char="•"/>
-            </a:pPr>
-            <a:endParaRPr lang="en-IN" sz="2400" dirty="0">
+              <a:t>Proposed System:</a:t>
+            </a:r>
+            <a:endParaRPr lang="en-IN" sz="3200" b="1" dirty="0">
               <a:latin typeface="Times New Roman" panose="02020603050405020304" pitchFamily="18" charset="0"/>
               <a:cs typeface="Times New Roman" panose="02020603050405020304" pitchFamily="18" charset="0"/>
             </a:endParaRPr>
@@ -11287,7 +11288,7 @@
     </p:spTree>
     <p:extLst>
       <p:ext uri="{BB962C8B-B14F-4D97-AF65-F5344CB8AC3E}">
-        <p14:creationId xmlns:p14="http://schemas.microsoft.com/office/powerpoint/2010/main" val="3966547809"/>
+        <p14:creationId xmlns:p14="http://schemas.microsoft.com/office/powerpoint/2010/main" val="3522905106"/>
       </p:ext>
     </p:extLst>
   </p:cSld>
